--- a/04 - PO/UML/3.Exercice Programmation Orienté Objet (POO) v2.1.0 ST 1.pptx
+++ b/04 - PO/UML/3.Exercice Programmation Orienté Objet (POO) v2.1.0 ST 1.pptx
@@ -392,7 +392,7 @@
             <a:fld id="{8D7B3548-5A9D-4D75-8817-7D1339F50070}" type="datetimeFigureOut">
               <a:rPr lang="fr-FR" smtClean="0"/>
               <a:pPr/>
-              <a:t>16/01/2023</a:t>
+              <a:t>02/02/2025</a:t>
             </a:fld>
             <a:endParaRPr lang="fr-FR"/>
           </a:p>
@@ -800,7 +800,7 @@
             <a:fld id="{C437C658-8D4C-47F9-A75C-0D2991D047FE}" type="datetime1">
               <a:rPr lang="fr-FR" smtClean="0"/>
               <a:pPr/>
-              <a:t>16/01/2023</a:t>
+              <a:t>02/02/2025</a:t>
             </a:fld>
             <a:endParaRPr lang="fr-BE"/>
           </a:p>
@@ -1671,7 +1671,7 @@
             <a:fld id="{EC423CA3-03C0-49EF-81D4-CFF4BB0E0CCA}" type="datetime1">
               <a:rPr lang="fr-FR" smtClean="0"/>
               <a:pPr/>
-              <a:t>16/01/2023</a:t>
+              <a:t>02/02/2025</a:t>
             </a:fld>
             <a:endParaRPr lang="fr-BE"/>
           </a:p>
@@ -1848,7 +1848,7 @@
             <a:fld id="{E216D527-35A7-4A7A-9884-01E5CDE3E5A4}" type="datetime1">
               <a:rPr lang="fr-FR" smtClean="0"/>
               <a:pPr/>
-              <a:t>16/01/2023</a:t>
+              <a:t>02/02/2025</a:t>
             </a:fld>
             <a:endParaRPr lang="fr-BE"/>
           </a:p>
@@ -2020,7 +2020,7 @@
             <a:fld id="{757BF8AB-CD0A-469A-859F-B62421D67776}" type="datetime1">
               <a:rPr lang="fr-FR" smtClean="0"/>
               <a:pPr/>
-              <a:t>16/01/2023</a:t>
+              <a:t>02/02/2025</a:t>
             </a:fld>
             <a:endParaRPr lang="fr-BE"/>
           </a:p>
@@ -2232,7 +2232,7 @@
             <a:fld id="{D41F2E60-4DCE-4C8D-9588-D3B4779CAB35}" type="datetime1">
               <a:rPr lang="fr-FR" smtClean="0"/>
               <a:pPr/>
-              <a:t>16/01/2023</a:t>
+              <a:t>02/02/2025</a:t>
             </a:fld>
             <a:endParaRPr lang="fr-BE"/>
           </a:p>
@@ -3048,7 +3048,7 @@
             <a:fld id="{CF5F539A-F26F-4A85-B46F-4014B6577472}" type="datetime1">
               <a:rPr lang="fr-FR" smtClean="0"/>
               <a:pPr/>
-              <a:t>16/01/2023</a:t>
+              <a:t>02/02/2025</a:t>
             </a:fld>
             <a:endParaRPr lang="fr-BE"/>
           </a:p>
@@ -3286,7 +3286,7 @@
             <a:fld id="{4EC6EB92-5ADA-44FF-B294-62DC5691CBE4}" type="datetime1">
               <a:rPr lang="fr-FR" smtClean="0"/>
               <a:pPr/>
-              <a:t>16/01/2023</a:t>
+              <a:t>02/02/2025</a:t>
             </a:fld>
             <a:endParaRPr lang="fr-BE"/>
           </a:p>
@@ -3611,7 +3611,7 @@
             <a:fld id="{CFD3A281-2F8C-4077-8F73-53D6993E6F5F}" type="datetime1">
               <a:rPr lang="fr-FR" smtClean="0"/>
               <a:pPr/>
-              <a:t>16/01/2023</a:t>
+              <a:t>02/02/2025</a:t>
             </a:fld>
             <a:endParaRPr lang="fr-BE"/>
           </a:p>
@@ -3703,7 +3703,7 @@
             <a:fld id="{2B6F1A48-1AC0-4131-9366-6D216501CA28}" type="datetime1">
               <a:rPr lang="fr-FR" smtClean="0"/>
               <a:pPr/>
-              <a:t>16/01/2023</a:t>
+              <a:t>02/02/2025</a:t>
             </a:fld>
             <a:endParaRPr lang="fr-BE"/>
           </a:p>
@@ -4222,7 +4222,7 @@
             <a:fld id="{FF2C4F34-FE7B-426B-B950-A237D4B320F4}" type="datetime1">
               <a:rPr lang="fr-FR" smtClean="0"/>
               <a:pPr/>
-              <a:t>16/01/2023</a:t>
+              <a:t>02/02/2025</a:t>
             </a:fld>
             <a:endParaRPr lang="fr-BE"/>
           </a:p>
@@ -4735,7 +4735,7 @@
             <a:fld id="{3A7A4B61-ACA1-4752-B54B-368AD516D48E}" type="datetime1">
               <a:rPr lang="fr-FR" smtClean="0"/>
               <a:pPr/>
-              <a:t>16/01/2023</a:t>
+              <a:t>02/02/2025</a:t>
             </a:fld>
             <a:endParaRPr lang="fr-BE"/>
           </a:p>
@@ -4982,7 +4982,7 @@
             <a:fld id="{10BD0D7C-6207-419E-AD46-BD4E8C046A7B}" type="datetime1">
               <a:rPr lang="fr-FR" smtClean="0"/>
               <a:pPr/>
-              <a:t>16/01/2023</a:t>
+              <a:t>02/02/2025</a:t>
             </a:fld>
             <a:endParaRPr lang="fr-BE"/>
           </a:p>
@@ -21123,8 +21123,8 @@
         </p:nvSpPr>
         <p:spPr>
           <a:xfrm>
-            <a:off x="615518" y="3714880"/>
-            <a:ext cx="7467600" cy="532656"/>
+            <a:off x="615518" y="3691617"/>
+            <a:ext cx="7467600" cy="555919"/>
           </a:xfrm>
           <a:prstGeom prst="rect">
             <a:avLst/>
@@ -21222,7 +21222,7 @@
         </p:blipFill>
         <p:spPr bwMode="auto">
           <a:xfrm>
-            <a:off x="953717" y="4247536"/>
+            <a:off x="973448" y="4331950"/>
             <a:ext cx="6629400" cy="447675"/>
           </a:xfrm>
           <a:prstGeom prst="rect">
@@ -21457,7 +21457,7 @@
         </p:blipFill>
         <p:spPr>
           <a:xfrm>
-            <a:off x="973448" y="3147180"/>
+            <a:off x="973448" y="3055232"/>
             <a:ext cx="6372200" cy="732505"/>
           </a:xfrm>
           <a:prstGeom prst="rect">
@@ -21487,8 +21487,8 @@
         </p:blipFill>
         <p:spPr>
           <a:xfrm>
-            <a:off x="827584" y="1777989"/>
-            <a:ext cx="4929843" cy="1181857"/>
+            <a:off x="827584" y="1861377"/>
+            <a:ext cx="4929843" cy="1155875"/>
           </a:xfrm>
           <a:prstGeom prst="rect">
             <a:avLst/>
@@ -22140,15 +22140,6 @@
 </file>
 
 <file path=customXml/item1.xml><?xml version="1.0" encoding="utf-8"?>
-<?mso-contentType ?>
-<FormTemplates xmlns="http://schemas.microsoft.com/sharepoint/v3/contenttype/forms">
-  <Display>DocumentLibraryForm</Display>
-  <Edit>DocumentLibraryForm</Edit>
-  <New>DocumentLibraryForm</New>
-</FormTemplates>
-</file>
-
-<file path=customXml/item2.xml><?xml version="1.0" encoding="utf-8"?>
 <ct:contentTypeSchema xmlns:ct="http://schemas.microsoft.com/office/2006/metadata/contentType" xmlns:ma="http://schemas.microsoft.com/office/2006/metadata/properties/metaAttributes" ct:_="" ma:_="" ma:contentTypeName="Document" ma:contentTypeID="0x010100A54D18AFC2ED4A46A0F9BA49ABF7FDFD" ma:contentTypeVersion="13" ma:contentTypeDescription="Crée un document." ma:contentTypeScope="" ma:versionID="feaba2c5717e9f9dc85dc4881b89de5b">
   <xsd:schema xmlns:xsd="http://www.w3.org/2001/XMLSchema" xmlns:xs="http://www.w3.org/2001/XMLSchema" xmlns:p="http://schemas.microsoft.com/office/2006/metadata/properties" xmlns:ns2="6080a0f0-b892-4d13-a236-ec5452db6204" xmlns:ns3="66eaceda-cbf3-468d-8b56-0d06245bcac2" targetNamespace="http://schemas.microsoft.com/office/2006/metadata/properties" ma:root="true" ma:fieldsID="0b5e33d26f4424f18b49e31c91a2c042" ns2:_="" ns3:_="">
     <xsd:import namespace="6080a0f0-b892-4d13-a236-ec5452db6204"/>
@@ -22371,7 +22362,7 @@
 </ct:contentTypeSchema>
 </file>
 
-<file path=customXml/item3.xml><?xml version="1.0" encoding="utf-8"?>
+<file path=customXml/item2.xml><?xml version="1.0" encoding="utf-8"?>
 <p:properties xmlns:p="http://schemas.microsoft.com/office/2006/metadata/properties" xmlns:xsi="http://www.w3.org/2001/XMLSchema-instance" xmlns:pc="http://schemas.microsoft.com/office/infopath/2007/PartnerControls">
   <documentManagement>
     <TaxCatchAll xmlns="66eaceda-cbf3-468d-8b56-0d06245bcac2" xsi:nil="true"/>
@@ -22382,19 +22373,35 @@
 </p:properties>
 </file>
 
+<file path=customXml/item3.xml><?xml version="1.0" encoding="utf-8"?>
+<?mso-contentType ?>
+<FormTemplates xmlns="http://schemas.microsoft.com/sharepoint/v3/contenttype/forms">
+  <Display>DocumentLibraryForm</Display>
+  <Edit>DocumentLibraryForm</Edit>
+  <New>DocumentLibraryForm</New>
+</FormTemplates>
+</file>
+
 <file path=customXml/itemProps1.xml><?xml version="1.0" encoding="utf-8"?>
-<ds:datastoreItem xmlns:ds="http://schemas.openxmlformats.org/officeDocument/2006/customXml" ds:itemID="{FB2333EC-022C-4C1C-A166-8699C5B93B3E}">
+<ds:datastoreItem xmlns:ds="http://schemas.openxmlformats.org/officeDocument/2006/customXml" ds:itemID="{E3687D87-320E-4B52-89BC-B6069C5A9498}">
   <ds:schemaRefs>
-    <ds:schemaRef ds:uri="http://schemas.microsoft.com/sharepoint/v3/contenttype/forms"/>
+    <ds:schemaRef ds:uri="http://schemas.microsoft.com/office/2006/metadata/contentType"/>
+    <ds:schemaRef ds:uri="http://schemas.microsoft.com/office/2006/metadata/properties/metaAttributes"/>
+    <ds:schemaRef ds:uri="http://www.w3.org/2001/XMLSchema"/>
+    <ds:schemaRef ds:uri="http://schemas.microsoft.com/office/2006/metadata/properties"/>
+    <ds:schemaRef ds:uri="6080a0f0-b892-4d13-a236-ec5452db6204"/>
+    <ds:schemaRef ds:uri="66eaceda-cbf3-468d-8b56-0d06245bcac2"/>
+    <ds:schemaRef ds:uri="http://schemas.microsoft.com/office/2006/documentManagement/types"/>
+    <ds:schemaRef ds:uri="http://schemas.microsoft.com/office/infopath/2007/PartnerControls"/>
+    <ds:schemaRef ds:uri="http://schemas.openxmlformats.org/package/2006/metadata/core-properties"/>
+    <ds:schemaRef ds:uri="http://purl.org/dc/elements/1.1/"/>
+    <ds:schemaRef ds:uri="http://purl.org/dc/terms/"/>
+    <ds:schemaRef ds:uri="http://schemas.microsoft.com/internal/obd"/>
   </ds:schemaRefs>
 </ds:datastoreItem>
 </file>
 
 <file path=customXml/itemProps2.xml><?xml version="1.0" encoding="utf-8"?>
-<ds:datastoreItem xmlns:ds="http://schemas.openxmlformats.org/officeDocument/2006/customXml" ds:itemID="{E3687D87-320E-4B52-89BC-B6069C5A9498}"/>
-</file>
-
-<file path=customXml/itemProps3.xml><?xml version="1.0" encoding="utf-8"?>
 <ds:datastoreItem xmlns:ds="http://schemas.openxmlformats.org/officeDocument/2006/customXml" ds:itemID="{6D32A8A2-88DF-4F56-8D6F-0F7142E9368A}">
   <ds:schemaRefs>
     <ds:schemaRef ds:uri="http://schemas.microsoft.com/office/2006/metadata/properties"/>
@@ -22405,6 +22412,16 @@
     <ds:schemaRef ds:uri="http://schemas.openxmlformats.org/package/2006/metadata/core-properties"/>
     <ds:schemaRef ds:uri="http://www.w3.org/XML/1998/namespace"/>
     <ds:schemaRef ds:uri="http://purl.org/dc/terms/"/>
+    <ds:schemaRef ds:uri="66eaceda-cbf3-468d-8b56-0d06245bcac2"/>
+    <ds:schemaRef ds:uri="6080a0f0-b892-4d13-a236-ec5452db6204"/>
+  </ds:schemaRefs>
+</ds:datastoreItem>
+</file>
+
+<file path=customXml/itemProps3.xml><?xml version="1.0" encoding="utf-8"?>
+<ds:datastoreItem xmlns:ds="http://schemas.openxmlformats.org/officeDocument/2006/customXml" ds:itemID="{FB2333EC-022C-4C1C-A166-8699C5B93B3E}">
+  <ds:schemaRefs>
+    <ds:schemaRef ds:uri="http://schemas.microsoft.com/sharepoint/v3/contenttype/forms"/>
   </ds:schemaRefs>
 </ds:datastoreItem>
 </file>